--- a/ClassDiagrams.pptx
+++ b/ClassDiagrams.pptx
@@ -106,7 +106,287 @@
       </a:defRPr>
     </a:lvl9pPr>
   </p:defaultTextStyle>
+  <p:extLst>
+    <p:ext uri="{EFAFB233-063F-42B5-8137-9DF3F51BA10A}">
+      <p15:sldGuideLst xmlns:p15="http://schemas.microsoft.com/office/powerpoint/2012/main"/>
+    </p:ext>
+  </p:extLst>
 </p:presentation>
+</file>
+
+<file path=ppt/revisionInfo.xml><?xml version="1.0" encoding="utf-8"?>
+<p1510:revInfo xmlns:a="http://schemas.openxmlformats.org/drawingml/2006/main" xmlns:r="http://schemas.openxmlformats.org/officeDocument/2006/relationships" xmlns:p1510="http://schemas.microsoft.com/office/powerpoint/2015/10/main">
+  <p1510:revLst>
+    <p1510:client id="{348ECADD-AAD1-44AE-AADE-6EF4A443810F}" v="2" dt="2022-04-04T23:31:37.462"/>
+  </p1510:revLst>
+</p1510:revInfo>
+</file>
+
+<file path=ppt/changesInfos/changesInfo1.xml><?xml version="1.0" encoding="utf-8"?>
+<pc:chgInfo xmlns:a="http://schemas.openxmlformats.org/drawingml/2006/main" xmlns:r="http://schemas.openxmlformats.org/officeDocument/2006/relationships" xmlns:ac="http://schemas.microsoft.com/office/drawing/2013/main/command" xmlns:pc="http://schemas.microsoft.com/office/powerpoint/2013/main/command">
+  <pc:docChgLst>
+    <pc:chgData name="Bryan Graves" userId="beed7a3bd1f66a47" providerId="LiveId" clId="{348ECADD-AAD1-44AE-AADE-6EF4A443810F}"/>
+    <pc:docChg chg="undo custSel modSld">
+      <pc:chgData name="Bryan Graves" userId="beed7a3bd1f66a47" providerId="LiveId" clId="{348ECADD-AAD1-44AE-AADE-6EF4A443810F}" dt="2022-04-04T23:32:37.536" v="27" actId="962"/>
+      <pc:docMkLst>
+        <pc:docMk/>
+      </pc:docMkLst>
+      <pc:sldChg chg="addSp delSp modSp mod">
+        <pc:chgData name="Bryan Graves" userId="beed7a3bd1f66a47" providerId="LiveId" clId="{348ECADD-AAD1-44AE-AADE-6EF4A443810F}" dt="2022-04-04T23:32:37.536" v="27" actId="962"/>
+        <pc:sldMkLst>
+          <pc:docMk/>
+          <pc:sldMk cId="3998804900" sldId="256"/>
+        </pc:sldMkLst>
+        <pc:spChg chg="mod">
+          <ac:chgData name="Bryan Graves" userId="beed7a3bd1f66a47" providerId="LiveId" clId="{348ECADD-AAD1-44AE-AADE-6EF4A443810F}" dt="2022-04-04T23:32:32.523" v="25" actId="26606"/>
+          <ac:spMkLst>
+            <pc:docMk/>
+            <pc:sldMk cId="3998804900" sldId="256"/>
+            <ac:spMk id="2" creationId="{845543FA-60B9-4494-BB7D-7FF819CB64A5}"/>
+          </ac:spMkLst>
+        </pc:spChg>
+        <pc:spChg chg="del">
+          <ac:chgData name="Bryan Graves" userId="beed7a3bd1f66a47" providerId="LiveId" clId="{348ECADD-AAD1-44AE-AADE-6EF4A443810F}" dt="2022-04-04T23:32:32.523" v="25" actId="26606"/>
+          <ac:spMkLst>
+            <pc:docMk/>
+            <pc:sldMk cId="3998804900" sldId="256"/>
+            <ac:spMk id="10" creationId="{D12DDE76-C203-4047-9998-63900085B5E8}"/>
+          </ac:spMkLst>
+        </pc:spChg>
+        <pc:spChg chg="add">
+          <ac:chgData name="Bryan Graves" userId="beed7a3bd1f66a47" providerId="LiveId" clId="{348ECADD-AAD1-44AE-AADE-6EF4A443810F}" dt="2022-04-04T23:32:32.523" v="25" actId="26606"/>
+          <ac:spMkLst>
+            <pc:docMk/>
+            <pc:sldMk cId="3998804900" sldId="256"/>
+            <ac:spMk id="15" creationId="{A8384FB5-9ADC-4DDC-881B-597D56F5B15D}"/>
+          </ac:spMkLst>
+        </pc:spChg>
+        <pc:spChg chg="add">
+          <ac:chgData name="Bryan Graves" userId="beed7a3bd1f66a47" providerId="LiveId" clId="{348ECADD-AAD1-44AE-AADE-6EF4A443810F}" dt="2022-04-04T23:32:32.523" v="25" actId="26606"/>
+          <ac:spMkLst>
+            <pc:docMk/>
+            <pc:sldMk cId="3998804900" sldId="256"/>
+            <ac:spMk id="17" creationId="{91E5A9A7-95C6-4F4F-B00E-C82E07FE62EF}"/>
+          </ac:spMkLst>
+        </pc:spChg>
+        <pc:spChg chg="add">
+          <ac:chgData name="Bryan Graves" userId="beed7a3bd1f66a47" providerId="LiveId" clId="{348ECADD-AAD1-44AE-AADE-6EF4A443810F}" dt="2022-04-04T23:32:32.523" v="25" actId="26606"/>
+          <ac:spMkLst>
+            <pc:docMk/>
+            <pc:sldMk cId="3998804900" sldId="256"/>
+            <ac:spMk id="19" creationId="{D07DD2DE-F619-49DD-B5E7-03A290FF4ED1}"/>
+          </ac:spMkLst>
+        </pc:spChg>
+        <pc:spChg chg="add">
+          <ac:chgData name="Bryan Graves" userId="beed7a3bd1f66a47" providerId="LiveId" clId="{348ECADD-AAD1-44AE-AADE-6EF4A443810F}" dt="2022-04-04T23:32:32.523" v="25" actId="26606"/>
+          <ac:spMkLst>
+            <pc:docMk/>
+            <pc:sldMk cId="3998804900" sldId="256"/>
+            <ac:spMk id="21" creationId="{85149191-5F60-4A28-AAFF-039F96B0F3EC}"/>
+          </ac:spMkLst>
+        </pc:spChg>
+        <pc:spChg chg="add">
+          <ac:chgData name="Bryan Graves" userId="beed7a3bd1f66a47" providerId="LiveId" clId="{348ECADD-AAD1-44AE-AADE-6EF4A443810F}" dt="2022-04-04T23:32:32.523" v="25" actId="26606"/>
+          <ac:spMkLst>
+            <pc:docMk/>
+            <pc:sldMk cId="3998804900" sldId="256"/>
+            <ac:spMk id="23" creationId="{F8260ED5-17F7-4158-B241-D51DD4CF1B7E}"/>
+          </ac:spMkLst>
+        </pc:spChg>
+        <pc:picChg chg="add mod">
+          <ac:chgData name="Bryan Graves" userId="beed7a3bd1f66a47" providerId="LiveId" clId="{348ECADD-AAD1-44AE-AADE-6EF4A443810F}" dt="2022-04-04T23:32:37.536" v="27" actId="962"/>
+          <ac:picMkLst>
+            <pc:docMk/>
+            <pc:sldMk cId="3998804900" sldId="256"/>
+            <ac:picMk id="4" creationId="{5A6D6FA0-99F0-44DA-B661-FD65F535F860}"/>
+          </ac:picMkLst>
+        </pc:picChg>
+        <pc:picChg chg="del">
+          <ac:chgData name="Bryan Graves" userId="beed7a3bd1f66a47" providerId="LiveId" clId="{348ECADD-AAD1-44AE-AADE-6EF4A443810F}" dt="2022-04-04T23:27:08.643" v="0" actId="478"/>
+          <ac:picMkLst>
+            <pc:docMk/>
+            <pc:sldMk cId="3998804900" sldId="256"/>
+            <ac:picMk id="5" creationId="{DE69ACD8-798B-40D1-9975-A4C280931541}"/>
+          </ac:picMkLst>
+        </pc:picChg>
+      </pc:sldChg>
+      <pc:sldChg chg="addSp delSp modSp mod">
+        <pc:chgData name="Bryan Graves" userId="beed7a3bd1f66a47" providerId="LiveId" clId="{348ECADD-AAD1-44AE-AADE-6EF4A443810F}" dt="2022-04-04T23:31:37.911" v="23" actId="478"/>
+        <pc:sldMkLst>
+          <pc:docMk/>
+          <pc:sldMk cId="3488226149" sldId="257"/>
+        </pc:sldMkLst>
+        <pc:spChg chg="mod">
+          <ac:chgData name="Bryan Graves" userId="beed7a3bd1f66a47" providerId="LiveId" clId="{348ECADD-AAD1-44AE-AADE-6EF4A443810F}" dt="2022-04-04T23:29:53.181" v="13" actId="26606"/>
+          <ac:spMkLst>
+            <pc:docMk/>
+            <pc:sldMk cId="3488226149" sldId="257"/>
+            <ac:spMk id="2" creationId="{AC6C4B01-1CF2-4388-A70F-228C47A8B777}"/>
+          </ac:spMkLst>
+        </pc:spChg>
+        <pc:spChg chg="del">
+          <ac:chgData name="Bryan Graves" userId="beed7a3bd1f66a47" providerId="LiveId" clId="{348ECADD-AAD1-44AE-AADE-6EF4A443810F}" dt="2022-04-04T23:29:53.181" v="13" actId="26606"/>
+          <ac:spMkLst>
+            <pc:docMk/>
+            <pc:sldMk cId="3488226149" sldId="257"/>
+            <ac:spMk id="10" creationId="{D12DDE76-C203-4047-9998-63900085B5E8}"/>
+          </ac:spMkLst>
+        </pc:spChg>
+        <pc:spChg chg="add">
+          <ac:chgData name="Bryan Graves" userId="beed7a3bd1f66a47" providerId="LiveId" clId="{348ECADD-AAD1-44AE-AADE-6EF4A443810F}" dt="2022-04-04T23:29:53.181" v="13" actId="26606"/>
+          <ac:spMkLst>
+            <pc:docMk/>
+            <pc:sldMk cId="3488226149" sldId="257"/>
+            <ac:spMk id="15" creationId="{A8384FB5-9ADC-4DDC-881B-597D56F5B15D}"/>
+          </ac:spMkLst>
+        </pc:spChg>
+        <pc:spChg chg="add">
+          <ac:chgData name="Bryan Graves" userId="beed7a3bd1f66a47" providerId="LiveId" clId="{348ECADD-AAD1-44AE-AADE-6EF4A443810F}" dt="2022-04-04T23:29:53.181" v="13" actId="26606"/>
+          <ac:spMkLst>
+            <pc:docMk/>
+            <pc:sldMk cId="3488226149" sldId="257"/>
+            <ac:spMk id="17" creationId="{91E5A9A7-95C6-4F4F-B00E-C82E07FE62EF}"/>
+          </ac:spMkLst>
+        </pc:spChg>
+        <pc:spChg chg="add">
+          <ac:chgData name="Bryan Graves" userId="beed7a3bd1f66a47" providerId="LiveId" clId="{348ECADD-AAD1-44AE-AADE-6EF4A443810F}" dt="2022-04-04T23:29:53.181" v="13" actId="26606"/>
+          <ac:spMkLst>
+            <pc:docMk/>
+            <pc:sldMk cId="3488226149" sldId="257"/>
+            <ac:spMk id="19" creationId="{D07DD2DE-F619-49DD-B5E7-03A290FF4ED1}"/>
+          </ac:spMkLst>
+        </pc:spChg>
+        <pc:spChg chg="add">
+          <ac:chgData name="Bryan Graves" userId="beed7a3bd1f66a47" providerId="LiveId" clId="{348ECADD-AAD1-44AE-AADE-6EF4A443810F}" dt="2022-04-04T23:29:53.181" v="13" actId="26606"/>
+          <ac:spMkLst>
+            <pc:docMk/>
+            <pc:sldMk cId="3488226149" sldId="257"/>
+            <ac:spMk id="21" creationId="{85149191-5F60-4A28-AAFF-039F96B0F3EC}"/>
+          </ac:spMkLst>
+        </pc:spChg>
+        <pc:spChg chg="add">
+          <ac:chgData name="Bryan Graves" userId="beed7a3bd1f66a47" providerId="LiveId" clId="{348ECADD-AAD1-44AE-AADE-6EF4A443810F}" dt="2022-04-04T23:29:53.181" v="13" actId="26606"/>
+          <ac:spMkLst>
+            <pc:docMk/>
+            <pc:sldMk cId="3488226149" sldId="257"/>
+            <ac:spMk id="23" creationId="{F8260ED5-17F7-4158-B241-D51DD4CF1B7E}"/>
+          </ac:spMkLst>
+        </pc:spChg>
+        <pc:picChg chg="add del mod">
+          <ac:chgData name="Bryan Graves" userId="beed7a3bd1f66a47" providerId="LiveId" clId="{348ECADD-AAD1-44AE-AADE-6EF4A443810F}" dt="2022-04-04T23:31:37.911" v="23" actId="478"/>
+          <ac:picMkLst>
+            <pc:docMk/>
+            <pc:sldMk cId="3488226149" sldId="257"/>
+            <ac:picMk id="4" creationId="{44758BA0-BBFA-40F1-BAFC-F193595458CB}"/>
+          </ac:picMkLst>
+        </pc:picChg>
+        <pc:picChg chg="del">
+          <ac:chgData name="Bryan Graves" userId="beed7a3bd1f66a47" providerId="LiveId" clId="{348ECADD-AAD1-44AE-AADE-6EF4A443810F}" dt="2022-04-04T23:27:10.849" v="1" actId="478"/>
+          <ac:picMkLst>
+            <pc:docMk/>
+            <pc:sldMk cId="3488226149" sldId="257"/>
+            <ac:picMk id="5" creationId="{8ECB99A3-0E62-411E-AC13-A442828FB329}"/>
+          </ac:picMkLst>
+        </pc:picChg>
+        <pc:picChg chg="add del mod">
+          <ac:chgData name="Bryan Graves" userId="beed7a3bd1f66a47" providerId="LiveId" clId="{348ECADD-AAD1-44AE-AADE-6EF4A443810F}" dt="2022-04-04T23:31:37.462" v="22" actId="931"/>
+          <ac:picMkLst>
+            <pc:docMk/>
+            <pc:sldMk cId="3488226149" sldId="257"/>
+            <ac:picMk id="7" creationId="{D080E079-7826-4BF0-9643-628BC4CC767B}"/>
+          </ac:picMkLst>
+        </pc:picChg>
+      </pc:sldChg>
+      <pc:sldChg chg="addSp delSp modSp mod">
+        <pc:chgData name="Bryan Graves" userId="beed7a3bd1f66a47" providerId="LiveId" clId="{348ECADD-AAD1-44AE-AADE-6EF4A443810F}" dt="2022-04-04T23:29:58.800" v="14" actId="26606"/>
+        <pc:sldMkLst>
+          <pc:docMk/>
+          <pc:sldMk cId="2414305149" sldId="258"/>
+        </pc:sldMkLst>
+        <pc:spChg chg="mod">
+          <ac:chgData name="Bryan Graves" userId="beed7a3bd1f66a47" providerId="LiveId" clId="{348ECADD-AAD1-44AE-AADE-6EF4A443810F}" dt="2022-04-04T23:29:58.800" v="14" actId="26606"/>
+          <ac:spMkLst>
+            <pc:docMk/>
+            <pc:sldMk cId="2414305149" sldId="258"/>
+            <ac:spMk id="2" creationId="{AF0AF977-C1C9-4A58-87D4-56F28194F855}"/>
+          </ac:spMkLst>
+        </pc:spChg>
+        <pc:spChg chg="add del mod">
+          <ac:chgData name="Bryan Graves" userId="beed7a3bd1f66a47" providerId="LiveId" clId="{348ECADD-AAD1-44AE-AADE-6EF4A443810F}" dt="2022-04-04T23:27:39.562" v="6" actId="478"/>
+          <ac:spMkLst>
+            <pc:docMk/>
+            <pc:sldMk cId="2414305149" sldId="258"/>
+            <ac:spMk id="6" creationId="{364249DC-2971-46DD-A4B0-7514008A3B41}"/>
+          </ac:spMkLst>
+        </pc:spChg>
+        <pc:spChg chg="del">
+          <ac:chgData name="Bryan Graves" userId="beed7a3bd1f66a47" providerId="LiveId" clId="{348ECADD-AAD1-44AE-AADE-6EF4A443810F}" dt="2022-04-04T23:29:58.800" v="14" actId="26606"/>
+          <ac:spMkLst>
+            <pc:docMk/>
+            <pc:sldMk cId="2414305149" sldId="258"/>
+            <ac:spMk id="10" creationId="{D12DDE76-C203-4047-9998-63900085B5E8}"/>
+          </ac:spMkLst>
+        </pc:spChg>
+        <pc:spChg chg="add">
+          <ac:chgData name="Bryan Graves" userId="beed7a3bd1f66a47" providerId="LiveId" clId="{348ECADD-AAD1-44AE-AADE-6EF4A443810F}" dt="2022-04-04T23:29:58.800" v="14" actId="26606"/>
+          <ac:spMkLst>
+            <pc:docMk/>
+            <pc:sldMk cId="2414305149" sldId="258"/>
+            <ac:spMk id="15" creationId="{A8384FB5-9ADC-4DDC-881B-597D56F5B15D}"/>
+          </ac:spMkLst>
+        </pc:spChg>
+        <pc:spChg chg="add">
+          <ac:chgData name="Bryan Graves" userId="beed7a3bd1f66a47" providerId="LiveId" clId="{348ECADD-AAD1-44AE-AADE-6EF4A443810F}" dt="2022-04-04T23:29:58.800" v="14" actId="26606"/>
+          <ac:spMkLst>
+            <pc:docMk/>
+            <pc:sldMk cId="2414305149" sldId="258"/>
+            <ac:spMk id="17" creationId="{91E5A9A7-95C6-4F4F-B00E-C82E07FE62EF}"/>
+          </ac:spMkLst>
+        </pc:spChg>
+        <pc:spChg chg="add">
+          <ac:chgData name="Bryan Graves" userId="beed7a3bd1f66a47" providerId="LiveId" clId="{348ECADD-AAD1-44AE-AADE-6EF4A443810F}" dt="2022-04-04T23:29:58.800" v="14" actId="26606"/>
+          <ac:spMkLst>
+            <pc:docMk/>
+            <pc:sldMk cId="2414305149" sldId="258"/>
+            <ac:spMk id="19" creationId="{D07DD2DE-F619-49DD-B5E7-03A290FF4ED1}"/>
+          </ac:spMkLst>
+        </pc:spChg>
+        <pc:spChg chg="add">
+          <ac:chgData name="Bryan Graves" userId="beed7a3bd1f66a47" providerId="LiveId" clId="{348ECADD-AAD1-44AE-AADE-6EF4A443810F}" dt="2022-04-04T23:29:58.800" v="14" actId="26606"/>
+          <ac:spMkLst>
+            <pc:docMk/>
+            <pc:sldMk cId="2414305149" sldId="258"/>
+            <ac:spMk id="21" creationId="{85149191-5F60-4A28-AAFF-039F96B0F3EC}"/>
+          </ac:spMkLst>
+        </pc:spChg>
+        <pc:spChg chg="add">
+          <ac:chgData name="Bryan Graves" userId="beed7a3bd1f66a47" providerId="LiveId" clId="{348ECADD-AAD1-44AE-AADE-6EF4A443810F}" dt="2022-04-04T23:29:58.800" v="14" actId="26606"/>
+          <ac:spMkLst>
+            <pc:docMk/>
+            <pc:sldMk cId="2414305149" sldId="258"/>
+            <ac:spMk id="23" creationId="{F8260ED5-17F7-4158-B241-D51DD4CF1B7E}"/>
+          </ac:spMkLst>
+        </pc:spChg>
+        <pc:picChg chg="del">
+          <ac:chgData name="Bryan Graves" userId="beed7a3bd1f66a47" providerId="LiveId" clId="{348ECADD-AAD1-44AE-AADE-6EF4A443810F}" dt="2022-04-04T23:27:12.765" v="2" actId="478"/>
+          <ac:picMkLst>
+            <pc:docMk/>
+            <pc:sldMk cId="2414305149" sldId="258"/>
+            <ac:picMk id="5" creationId="{E274CC79-5D3C-4A2C-A51D-7FF0F22785E5}"/>
+          </ac:picMkLst>
+        </pc:picChg>
+        <pc:picChg chg="add mod">
+          <ac:chgData name="Bryan Graves" userId="beed7a3bd1f66a47" providerId="LiveId" clId="{348ECADD-AAD1-44AE-AADE-6EF4A443810F}" dt="2022-04-04T23:29:58.800" v="14" actId="26606"/>
+          <ac:picMkLst>
+            <pc:docMk/>
+            <pc:sldMk cId="2414305149" sldId="258"/>
+            <ac:picMk id="7" creationId="{DBF45773-237B-48EE-A097-CB7D4FD53EEB}"/>
+          </ac:picMkLst>
+        </pc:picChg>
+      </pc:sldChg>
+    </pc:docChg>
+  </pc:docChgLst>
+</pc:chgInfo>
 </file>
 
 <file path=ppt/slideLayouts/slideLayout1.xml><?xml version="1.0" encoding="utf-8"?>
@@ -3331,12 +3611,12 @@
           <a:chExt cx="0" cy="0"/>
         </a:xfrm>
       </p:grpSpPr>
-      <p:sp>
-        <p:nvSpPr>
-          <p:cNvPr id="10" name="Flowchart: Document 9">
-            <a:extLst>
-              <a:ext uri="{FF2B5EF4-FFF2-40B4-BE49-F238E27FC236}">
-                <a16:creationId xmlns:a16="http://schemas.microsoft.com/office/drawing/2014/main" id="{D12DDE76-C203-4047-9998-63900085B5E8}"/>
+      <p:sp useBgFill="1">
+        <p:nvSpPr>
+          <p:cNvPr id="15" name="Rectangle 14">
+            <a:extLst>
+              <a:ext uri="{FF2B5EF4-FFF2-40B4-BE49-F238E27FC236}">
+                <a16:creationId xmlns:a16="http://schemas.microsoft.com/office/drawing/2014/main" id="{A8384FB5-9ADC-4DDC-881B-597D56F5B15D}"/>
               </a:ext>
               <a:ext uri="{C183D7F6-B498-43B3-948B-1728B52AA6E4}">
                 <adec:decorative xmlns:adec="http://schemas.microsoft.com/office/drawing/2017/decorative" val="1"/>
@@ -3356,15 +3636,101 @@
         </p:nvSpPr>
         <p:spPr>
           <a:xfrm>
-            <a:off x="638175" y="0"/>
-            <a:ext cx="3248025" cy="3400426"/>
+            <a:off x="0" y="0"/>
+            <a:ext cx="12192000" cy="6858000"/>
           </a:xfrm>
-          <a:prstGeom prst="flowChartDocument">
+          <a:prstGeom prst="rect">
             <a:avLst/>
           </a:prstGeom>
-          <a:solidFill>
+          <a:ln w="12700" cap="flat" cmpd="sng" algn="ctr">
+            <a:noFill/>
+            <a:prstDash val="solid"/>
+            <a:miter lim="800000"/>
+          </a:ln>
+          <a:effectLst/>
+          <a:extLst>
+            <a:ext uri="{91240B29-F687-4F45-9708-019B960494DF}">
+              <a14:hiddenLine xmlns:a14="http://schemas.microsoft.com/office/drawing/2010/main" w="12700" cap="flat" cmpd="sng" algn="ctr">
+                <a:solidFill>
+                  <a:schemeClr val="accent1">
+                    <a:shade val="50000"/>
+                  </a:schemeClr>
+                </a:solidFill>
+                <a:prstDash val="solid"/>
+                <a:miter lim="800000"/>
+              </a14:hiddenLine>
+            </a:ext>
+          </a:extLst>
+        </p:spPr>
+        <p:style>
+          <a:lnRef idx="2">
+            <a:schemeClr val="accent1">
+              <a:shade val="50000"/>
+            </a:schemeClr>
+          </a:lnRef>
+          <a:fillRef idx="1">
             <a:schemeClr val="accent1"/>
-          </a:solidFill>
+          </a:fillRef>
+          <a:effectRef idx="0">
+            <a:schemeClr val="accent1"/>
+          </a:effectRef>
+          <a:fontRef idx="minor">
+            <a:schemeClr val="lt1"/>
+          </a:fontRef>
+        </p:style>
+        <p:txBody>
+          <a:bodyPr rtlCol="0" anchor="ctr"/>
+          <a:lstStyle/>
+          <a:p>
+            <a:pPr algn="ctr"/>
+            <a:endParaRPr lang="en-US"/>
+          </a:p>
+        </p:txBody>
+      </p:sp>
+      <p:sp>
+        <p:nvSpPr>
+          <p:cNvPr id="17" name="Rectangle 16">
+            <a:extLst>
+              <a:ext uri="{FF2B5EF4-FFF2-40B4-BE49-F238E27FC236}">
+                <a16:creationId xmlns:a16="http://schemas.microsoft.com/office/drawing/2014/main" id="{91E5A9A7-95C6-4F4F-B00E-C82E07FE62EF}"/>
+              </a:ext>
+              <a:ext uri="{C183D7F6-B498-43B3-948B-1728B52AA6E4}">
+                <adec:decorative xmlns:adec="http://schemas.microsoft.com/office/drawing/2017/decorative" val="1"/>
+              </a:ext>
+            </a:extLst>
+          </p:cNvPr>
+          <p:cNvSpPr>
+            <a:spLocks noGrp="1" noRot="1" noChangeAspect="1" noMove="1" noResize="1" noEditPoints="1" noAdjustHandles="1" noChangeArrowheads="1" noChangeShapeType="1" noTextEdit="1"/>
+          </p:cNvSpPr>
+          <p:nvPr>
+            <p:extLst>
+              <p:ext uri="{386F3935-93C4-4BCD-93E2-E3B085C9AB24}">
+                <p16:designElem xmlns:p16="http://schemas.microsoft.com/office/powerpoint/2015/main" val="1"/>
+              </p:ext>
+            </p:extLst>
+          </p:nvPr>
+        </p:nvSpPr>
+        <p:spPr>
+          <a:xfrm rot="5400000" flipH="1">
+            <a:off x="-1417539" y="1417538"/>
+            <a:ext cx="6875818" cy="4040744"/>
+          </a:xfrm>
+          <a:prstGeom prst="rect">
+            <a:avLst/>
+          </a:prstGeom>
+          <a:gradFill>
+            <a:gsLst>
+              <a:gs pos="0">
+                <a:srgbClr val="000000"/>
+              </a:gs>
+              <a:gs pos="100000">
+                <a:schemeClr val="accent1">
+                  <a:lumMod val="75000"/>
+                </a:schemeClr>
+              </a:gs>
+            </a:gsLst>
+            <a:lin ang="18600000" scaled="0"/>
+          </a:gradFill>
           <a:ln>
             <a:noFill/>
           </a:ln>
@@ -3390,7 +3756,331 @@
           <a:lstStyle/>
           <a:p>
             <a:pPr algn="ctr"/>
+            <a:endParaRPr lang="en-US" dirty="0"/>
+          </a:p>
+        </p:txBody>
+      </p:sp>
+      <p:sp>
+        <p:nvSpPr>
+          <p:cNvPr id="19" name="Rectangle 18">
+            <a:extLst>
+              <a:ext uri="{FF2B5EF4-FFF2-40B4-BE49-F238E27FC236}">
+                <a16:creationId xmlns:a16="http://schemas.microsoft.com/office/drawing/2014/main" id="{D07DD2DE-F619-49DD-B5E7-03A290FF4ED1}"/>
+              </a:ext>
+              <a:ext uri="{C183D7F6-B498-43B3-948B-1728B52AA6E4}">
+                <adec:decorative xmlns:adec="http://schemas.microsoft.com/office/drawing/2017/decorative" val="1"/>
+              </a:ext>
+            </a:extLst>
+          </p:cNvPr>
+          <p:cNvSpPr>
+            <a:spLocks noGrp="1" noRot="1" noChangeAspect="1" noMove="1" noResize="1" noEditPoints="1" noAdjustHandles="1" noChangeArrowheads="1" noChangeShapeType="1" noTextEdit="1"/>
+          </p:cNvSpPr>
+          <p:nvPr>
+            <p:extLst>
+              <p:ext uri="{386F3935-93C4-4BCD-93E2-E3B085C9AB24}">
+                <p16:designElem xmlns:p16="http://schemas.microsoft.com/office/powerpoint/2015/main" val="1"/>
+              </p:ext>
+            </p:extLst>
+          </p:nvPr>
+        </p:nvSpPr>
+        <p:spPr>
+          <a:xfrm rot="16200000">
+            <a:off x="-158495" y="2660473"/>
+            <a:ext cx="4355594" cy="4038603"/>
+          </a:xfrm>
+          <a:prstGeom prst="rect">
+            <a:avLst/>
+          </a:prstGeom>
+          <a:gradFill>
+            <a:gsLst>
+              <a:gs pos="0">
+                <a:schemeClr val="accent1">
+                  <a:alpha val="50000"/>
+                </a:schemeClr>
+              </a:gs>
+              <a:gs pos="100000">
+                <a:schemeClr val="accent1">
+                  <a:lumMod val="50000"/>
+                  <a:alpha val="0"/>
+                </a:schemeClr>
+              </a:gs>
+            </a:gsLst>
+            <a:lin ang="11400000" scaled="0"/>
+          </a:gradFill>
+          <a:ln>
+            <a:noFill/>
+          </a:ln>
+        </p:spPr>
+        <p:style>
+          <a:lnRef idx="2">
+            <a:schemeClr val="accent1">
+              <a:shade val="50000"/>
+            </a:schemeClr>
+          </a:lnRef>
+          <a:fillRef idx="1">
+            <a:schemeClr val="accent1"/>
+          </a:fillRef>
+          <a:effectRef idx="0">
+            <a:schemeClr val="accent1"/>
+          </a:effectRef>
+          <a:fontRef idx="minor">
+            <a:schemeClr val="lt1"/>
+          </a:fontRef>
+        </p:style>
+        <p:txBody>
+          <a:bodyPr rtlCol="0" anchor="ctr"/>
+          <a:lstStyle/>
+          <a:p>
+            <a:pPr algn="ctr"/>
             <a:endParaRPr lang="en-US"/>
+          </a:p>
+        </p:txBody>
+      </p:sp>
+      <p:sp>
+        <p:nvSpPr>
+          <p:cNvPr id="21" name="Rectangle 20">
+            <a:extLst>
+              <a:ext uri="{FF2B5EF4-FFF2-40B4-BE49-F238E27FC236}">
+                <a16:creationId xmlns:a16="http://schemas.microsoft.com/office/drawing/2014/main" id="{85149191-5F60-4A28-AAFF-039F96B0F3EC}"/>
+              </a:ext>
+              <a:ext uri="{C183D7F6-B498-43B3-948B-1728B52AA6E4}">
+                <adec:decorative xmlns:adec="http://schemas.microsoft.com/office/drawing/2017/decorative" val="1"/>
+              </a:ext>
+            </a:extLst>
+          </p:cNvPr>
+          <p:cNvSpPr>
+            <a:spLocks noGrp="1" noRot="1" noChangeAspect="1" noMove="1" noResize="1" noEditPoints="1" noAdjustHandles="1" noChangeArrowheads="1" noChangeShapeType="1" noTextEdit="1"/>
+          </p:cNvSpPr>
+          <p:nvPr>
+            <p:extLst>
+              <p:ext uri="{386F3935-93C4-4BCD-93E2-E3B085C9AB24}">
+                <p16:designElem xmlns:p16="http://schemas.microsoft.com/office/powerpoint/2015/main" val="1"/>
+              </p:ext>
+            </p:extLst>
+          </p:nvPr>
+        </p:nvSpPr>
+        <p:spPr>
+          <a:xfrm rot="16200000" flipH="1">
+            <a:off x="-1180882" y="1638085"/>
+            <a:ext cx="6857572" cy="3581401"/>
+          </a:xfrm>
+          <a:prstGeom prst="rect">
+            <a:avLst/>
+          </a:prstGeom>
+          <a:gradFill>
+            <a:gsLst>
+              <a:gs pos="0">
+                <a:srgbClr val="000000">
+                  <a:alpha val="59000"/>
+                </a:srgbClr>
+              </a:gs>
+              <a:gs pos="69000">
+                <a:schemeClr val="accent1">
+                  <a:alpha val="0"/>
+                </a:schemeClr>
+              </a:gs>
+            </a:gsLst>
+            <a:lin ang="13200000" scaled="0"/>
+          </a:gradFill>
+          <a:ln>
+            <a:noFill/>
+          </a:ln>
+        </p:spPr>
+        <p:style>
+          <a:lnRef idx="2">
+            <a:schemeClr val="accent1">
+              <a:shade val="50000"/>
+            </a:schemeClr>
+          </a:lnRef>
+          <a:fillRef idx="1">
+            <a:schemeClr val="accent1"/>
+          </a:fillRef>
+          <a:effectRef idx="0">
+            <a:schemeClr val="accent1"/>
+          </a:effectRef>
+          <a:fontRef idx="minor">
+            <a:schemeClr val="lt1"/>
+          </a:fontRef>
+        </p:style>
+        <p:txBody>
+          <a:bodyPr rtlCol="0" anchor="ctr"/>
+          <a:lstStyle/>
+          <a:p>
+            <a:pPr algn="ctr"/>
+            <a:endParaRPr lang="en-US" dirty="0"/>
+          </a:p>
+        </p:txBody>
+      </p:sp>
+      <p:sp>
+        <p:nvSpPr>
+          <p:cNvPr id="23" name="Freeform: Shape 22">
+            <a:extLst>
+              <a:ext uri="{FF2B5EF4-FFF2-40B4-BE49-F238E27FC236}">
+                <a16:creationId xmlns:a16="http://schemas.microsoft.com/office/drawing/2014/main" id="{F8260ED5-17F7-4158-B241-D51DD4CF1B7E}"/>
+              </a:ext>
+              <a:ext uri="{C183D7F6-B498-43B3-948B-1728B52AA6E4}">
+                <adec:decorative xmlns:adec="http://schemas.microsoft.com/office/drawing/2017/decorative" val="1"/>
+              </a:ext>
+            </a:extLst>
+          </p:cNvPr>
+          <p:cNvSpPr>
+            <a:spLocks noGrp="1" noRot="1" noChangeAspect="1" noMove="1" noResize="1" noEditPoints="1" noAdjustHandles="1" noChangeArrowheads="1" noChangeShapeType="1" noTextEdit="1"/>
+          </p:cNvSpPr>
+          <p:nvPr>
+            <p:extLst>
+              <p:ext uri="{386F3935-93C4-4BCD-93E2-E3B085C9AB24}">
+                <p16:designElem xmlns:p16="http://schemas.microsoft.com/office/powerpoint/2015/main" val="1"/>
+              </p:ext>
+            </p:extLst>
+          </p:nvPr>
+        </p:nvSpPr>
+        <p:spPr>
+          <a:xfrm rot="6097846">
+            <a:off x="-747355" y="1201312"/>
+            <a:ext cx="4808302" cy="4088666"/>
+          </a:xfrm>
+          <a:custGeom>
+            <a:avLst/>
+            <a:gdLst>
+              <a:gd name="connsiteX0" fmla="*/ 48844 w 4808302"/>
+              <a:gd name="connsiteY0" fmla="*/ 2888671 h 4088666"/>
+              <a:gd name="connsiteX1" fmla="*/ 0 w 4808302"/>
+              <a:gd name="connsiteY1" fmla="*/ 2404151 h 4088666"/>
+              <a:gd name="connsiteX2" fmla="*/ 2404151 w 4808302"/>
+              <a:gd name="connsiteY2" fmla="*/ 0 h 4088666"/>
+              <a:gd name="connsiteX3" fmla="*/ 4808302 w 4808302"/>
+              <a:gd name="connsiteY3" fmla="*/ 2404151 h 4088666"/>
+              <a:gd name="connsiteX4" fmla="*/ 4700216 w 4808302"/>
+              <a:gd name="connsiteY4" fmla="*/ 3119072 h 4088666"/>
+              <a:gd name="connsiteX5" fmla="*/ 4643143 w 4808302"/>
+              <a:gd name="connsiteY5" fmla="*/ 3275009 h 4088666"/>
+              <a:gd name="connsiteX6" fmla="*/ 690093 w 4808302"/>
+              <a:gd name="connsiteY6" fmla="*/ 4088666 h 4088666"/>
+              <a:gd name="connsiteX7" fmla="*/ 548991 w 4808302"/>
+              <a:gd name="connsiteY7" fmla="*/ 3933414 h 4088666"/>
+              <a:gd name="connsiteX8" fmla="*/ 48844 w 4808302"/>
+              <a:gd name="connsiteY8" fmla="*/ 2888671 h 4088666"/>
+            </a:gdLst>
+            <a:ahLst/>
+            <a:cxnLst>
+              <a:cxn ang="0">
+                <a:pos x="connsiteX0" y="connsiteY0"/>
+              </a:cxn>
+              <a:cxn ang="0">
+                <a:pos x="connsiteX1" y="connsiteY1"/>
+              </a:cxn>
+              <a:cxn ang="0">
+                <a:pos x="connsiteX2" y="connsiteY2"/>
+              </a:cxn>
+              <a:cxn ang="0">
+                <a:pos x="connsiteX3" y="connsiteY3"/>
+              </a:cxn>
+              <a:cxn ang="0">
+                <a:pos x="connsiteX4" y="connsiteY4"/>
+              </a:cxn>
+              <a:cxn ang="0">
+                <a:pos x="connsiteX5" y="connsiteY5"/>
+              </a:cxn>
+              <a:cxn ang="0">
+                <a:pos x="connsiteX6" y="connsiteY6"/>
+              </a:cxn>
+              <a:cxn ang="0">
+                <a:pos x="connsiteX7" y="connsiteY7"/>
+              </a:cxn>
+              <a:cxn ang="0">
+                <a:pos x="connsiteX8" y="connsiteY8"/>
+              </a:cxn>
+            </a:cxnLst>
+            <a:rect l="l" t="t" r="r" b="b"/>
+            <a:pathLst>
+              <a:path w="4808302" h="4088666">
+                <a:moveTo>
+                  <a:pt x="48844" y="2888671"/>
+                </a:moveTo>
+                <a:cubicBezTo>
+                  <a:pt x="16818" y="2732167"/>
+                  <a:pt x="0" y="2570123"/>
+                  <a:pt x="0" y="2404151"/>
+                </a:cubicBezTo>
+                <a:cubicBezTo>
+                  <a:pt x="0" y="1076375"/>
+                  <a:pt x="1076375" y="0"/>
+                  <a:pt x="2404151" y="0"/>
+                </a:cubicBezTo>
+                <a:cubicBezTo>
+                  <a:pt x="3731927" y="0"/>
+                  <a:pt x="4808302" y="1076375"/>
+                  <a:pt x="4808302" y="2404151"/>
+                </a:cubicBezTo>
+                <a:cubicBezTo>
+                  <a:pt x="4808302" y="2653109"/>
+                  <a:pt x="4770461" y="2893229"/>
+                  <a:pt x="4700216" y="3119072"/>
+                </a:cubicBezTo>
+                <a:lnTo>
+                  <a:pt x="4643143" y="3275009"/>
+                </a:lnTo>
+                <a:lnTo>
+                  <a:pt x="690093" y="4088666"/>
+                </a:lnTo>
+                <a:lnTo>
+                  <a:pt x="548991" y="3933414"/>
+                </a:lnTo>
+                <a:cubicBezTo>
+                  <a:pt x="304015" y="3636572"/>
+                  <a:pt x="128908" y="3279932"/>
+                  <a:pt x="48844" y="2888671"/>
+                </a:cubicBezTo>
+                <a:close/>
+              </a:path>
+            </a:pathLst>
+          </a:custGeom>
+          <a:gradFill>
+            <a:gsLst>
+              <a:gs pos="39000">
+                <a:schemeClr val="accent1">
+                  <a:lumMod val="60000"/>
+                  <a:lumOff val="40000"/>
+                  <a:alpha val="0"/>
+                </a:schemeClr>
+              </a:gs>
+              <a:gs pos="100000">
+                <a:schemeClr val="accent1">
+                  <a:lumMod val="75000"/>
+                  <a:alpha val="26000"/>
+                </a:schemeClr>
+              </a:gs>
+            </a:gsLst>
+            <a:lin ang="18600000" scaled="0"/>
+          </a:gradFill>
+          <a:ln>
+            <a:noFill/>
+          </a:ln>
+        </p:spPr>
+        <p:style>
+          <a:lnRef idx="2">
+            <a:schemeClr val="accent1">
+              <a:shade val="50000"/>
+            </a:schemeClr>
+          </a:lnRef>
+          <a:fillRef idx="1">
+            <a:schemeClr val="accent1"/>
+          </a:fillRef>
+          <a:effectRef idx="0">
+            <a:schemeClr val="accent1"/>
+          </a:effectRef>
+          <a:fontRef idx="minor">
+            <a:schemeClr val="lt1"/>
+          </a:fontRef>
+        </p:style>
+        <p:txBody>
+          <a:bodyPr wrap="square" rtlCol="0" anchor="ctr">
+            <a:noAutofit/>
+          </a:bodyPr>
+          <a:lstStyle/>
+          <a:p>
+            <a:pPr algn="ctr"/>
+            <a:endParaRPr lang="en-US" dirty="0"/>
           </a:p>
         </p:txBody>
       </p:sp>
@@ -3412,19 +4102,19 @@
         </p:nvSpPr>
         <p:spPr>
           <a:xfrm>
-            <a:off x="838200" y="171162"/>
-            <a:ext cx="2840182" cy="2371148"/>
+            <a:off x="660041" y="2767106"/>
+            <a:ext cx="2880828" cy="3071906"/>
           </a:xfrm>
         </p:spPr>
         <p:txBody>
-          <a:bodyPr vert="horz" lIns="91440" tIns="45720" rIns="91440" bIns="45720" rtlCol="0" anchor="ctr">
+          <a:bodyPr vert="horz" lIns="91440" tIns="45720" rIns="91440" bIns="45720" rtlCol="0" anchor="t">
             <a:normAutofit/>
           </a:bodyPr>
           <a:lstStyle/>
           <a:p>
             <a:pPr algn="l"/>
             <a:r>
-              <a:rPr lang="en-US" sz="3200" kern="1200">
+              <a:rPr lang="en-US" sz="4000" kern="1200">
                 <a:solidFill>
                   <a:srgbClr val="FFFFFF"/>
                 </a:solidFill>
@@ -3439,10 +4129,10 @@
       </p:sp>
       <p:pic>
         <p:nvPicPr>
-          <p:cNvPr id="5" name="Picture 4">
-            <a:extLst>
-              <a:ext uri="{FF2B5EF4-FFF2-40B4-BE49-F238E27FC236}">
-                <a16:creationId xmlns:a16="http://schemas.microsoft.com/office/drawing/2014/main" id="{DE69ACD8-798B-40D1-9975-A4C280931541}"/>
+          <p:cNvPr id="4" name="Picture 3" descr="Diagram&#10;&#10;Description automatically generated">
+            <a:extLst>
+              <a:ext uri="{FF2B5EF4-FFF2-40B4-BE49-F238E27FC236}">
+                <a16:creationId xmlns:a16="http://schemas.microsoft.com/office/drawing/2014/main" id="{5A6D6FA0-99F0-44DA-B661-FD65F535F860}"/>
               </a:ext>
             </a:extLst>
           </p:cNvPr>
@@ -3459,8 +4149,8 @@
         </p:blipFill>
         <p:spPr>
           <a:xfrm>
-            <a:off x="4207933" y="912957"/>
-            <a:ext cx="7347537" cy="5033062"/>
+            <a:off x="4502428" y="1017407"/>
+            <a:ext cx="7225748" cy="4823186"/>
           </a:xfrm>
           <a:prstGeom prst="rect">
             <a:avLst/>
@@ -3505,12 +4195,12 @@
           <a:chExt cx="0" cy="0"/>
         </a:xfrm>
       </p:grpSpPr>
-      <p:sp>
-        <p:nvSpPr>
-          <p:cNvPr id="10" name="Flowchart: Document 9">
-            <a:extLst>
-              <a:ext uri="{FF2B5EF4-FFF2-40B4-BE49-F238E27FC236}">
-                <a16:creationId xmlns:a16="http://schemas.microsoft.com/office/drawing/2014/main" id="{D12DDE76-C203-4047-9998-63900085B5E8}"/>
+      <p:sp useBgFill="1">
+        <p:nvSpPr>
+          <p:cNvPr id="15" name="Rectangle 14">
+            <a:extLst>
+              <a:ext uri="{FF2B5EF4-FFF2-40B4-BE49-F238E27FC236}">
+                <a16:creationId xmlns:a16="http://schemas.microsoft.com/office/drawing/2014/main" id="{A8384FB5-9ADC-4DDC-881B-597D56F5B15D}"/>
               </a:ext>
               <a:ext uri="{C183D7F6-B498-43B3-948B-1728B52AA6E4}">
                 <adec:decorative xmlns:adec="http://schemas.microsoft.com/office/drawing/2017/decorative" val="1"/>
@@ -3530,15 +4220,101 @@
         </p:nvSpPr>
         <p:spPr>
           <a:xfrm>
-            <a:off x="638175" y="0"/>
-            <a:ext cx="3248025" cy="3400426"/>
+            <a:off x="0" y="0"/>
+            <a:ext cx="12192000" cy="6858000"/>
           </a:xfrm>
-          <a:prstGeom prst="flowChartDocument">
+          <a:prstGeom prst="rect">
             <a:avLst/>
           </a:prstGeom>
-          <a:solidFill>
+          <a:ln w="12700" cap="flat" cmpd="sng" algn="ctr">
+            <a:noFill/>
+            <a:prstDash val="solid"/>
+            <a:miter lim="800000"/>
+          </a:ln>
+          <a:effectLst/>
+          <a:extLst>
+            <a:ext uri="{91240B29-F687-4F45-9708-019B960494DF}">
+              <a14:hiddenLine xmlns:a14="http://schemas.microsoft.com/office/drawing/2010/main" w="12700" cap="flat" cmpd="sng" algn="ctr">
+                <a:solidFill>
+                  <a:schemeClr val="accent1">
+                    <a:shade val="50000"/>
+                  </a:schemeClr>
+                </a:solidFill>
+                <a:prstDash val="solid"/>
+                <a:miter lim="800000"/>
+              </a14:hiddenLine>
+            </a:ext>
+          </a:extLst>
+        </p:spPr>
+        <p:style>
+          <a:lnRef idx="2">
+            <a:schemeClr val="accent1">
+              <a:shade val="50000"/>
+            </a:schemeClr>
+          </a:lnRef>
+          <a:fillRef idx="1">
             <a:schemeClr val="accent1"/>
-          </a:solidFill>
+          </a:fillRef>
+          <a:effectRef idx="0">
+            <a:schemeClr val="accent1"/>
+          </a:effectRef>
+          <a:fontRef idx="minor">
+            <a:schemeClr val="lt1"/>
+          </a:fontRef>
+        </p:style>
+        <p:txBody>
+          <a:bodyPr rtlCol="0" anchor="ctr"/>
+          <a:lstStyle/>
+          <a:p>
+            <a:pPr algn="ctr"/>
+            <a:endParaRPr lang="en-US"/>
+          </a:p>
+        </p:txBody>
+      </p:sp>
+      <p:sp>
+        <p:nvSpPr>
+          <p:cNvPr id="17" name="Rectangle 16">
+            <a:extLst>
+              <a:ext uri="{FF2B5EF4-FFF2-40B4-BE49-F238E27FC236}">
+                <a16:creationId xmlns:a16="http://schemas.microsoft.com/office/drawing/2014/main" id="{91E5A9A7-95C6-4F4F-B00E-C82E07FE62EF}"/>
+              </a:ext>
+              <a:ext uri="{C183D7F6-B498-43B3-948B-1728B52AA6E4}">
+                <adec:decorative xmlns:adec="http://schemas.microsoft.com/office/drawing/2017/decorative" val="1"/>
+              </a:ext>
+            </a:extLst>
+          </p:cNvPr>
+          <p:cNvSpPr>
+            <a:spLocks noGrp="1" noRot="1" noChangeAspect="1" noMove="1" noResize="1" noEditPoints="1" noAdjustHandles="1" noChangeArrowheads="1" noChangeShapeType="1" noTextEdit="1"/>
+          </p:cNvSpPr>
+          <p:nvPr>
+            <p:extLst>
+              <p:ext uri="{386F3935-93C4-4BCD-93E2-E3B085C9AB24}">
+                <p16:designElem xmlns:p16="http://schemas.microsoft.com/office/powerpoint/2015/main" val="1"/>
+              </p:ext>
+            </p:extLst>
+          </p:nvPr>
+        </p:nvSpPr>
+        <p:spPr>
+          <a:xfrm rot="5400000" flipH="1">
+            <a:off x="-1417539" y="1417538"/>
+            <a:ext cx="6875818" cy="4040744"/>
+          </a:xfrm>
+          <a:prstGeom prst="rect">
+            <a:avLst/>
+          </a:prstGeom>
+          <a:gradFill>
+            <a:gsLst>
+              <a:gs pos="0">
+                <a:srgbClr val="000000"/>
+              </a:gs>
+              <a:gs pos="100000">
+                <a:schemeClr val="accent1">
+                  <a:lumMod val="75000"/>
+                </a:schemeClr>
+              </a:gs>
+            </a:gsLst>
+            <a:lin ang="18600000" scaled="0"/>
+          </a:gradFill>
           <a:ln>
             <a:noFill/>
           </a:ln>
@@ -3564,7 +4340,331 @@
           <a:lstStyle/>
           <a:p>
             <a:pPr algn="ctr"/>
+            <a:endParaRPr lang="en-US" dirty="0"/>
+          </a:p>
+        </p:txBody>
+      </p:sp>
+      <p:sp>
+        <p:nvSpPr>
+          <p:cNvPr id="19" name="Rectangle 18">
+            <a:extLst>
+              <a:ext uri="{FF2B5EF4-FFF2-40B4-BE49-F238E27FC236}">
+                <a16:creationId xmlns:a16="http://schemas.microsoft.com/office/drawing/2014/main" id="{D07DD2DE-F619-49DD-B5E7-03A290FF4ED1}"/>
+              </a:ext>
+              <a:ext uri="{C183D7F6-B498-43B3-948B-1728B52AA6E4}">
+                <adec:decorative xmlns:adec="http://schemas.microsoft.com/office/drawing/2017/decorative" val="1"/>
+              </a:ext>
+            </a:extLst>
+          </p:cNvPr>
+          <p:cNvSpPr>
+            <a:spLocks noGrp="1" noRot="1" noChangeAspect="1" noMove="1" noResize="1" noEditPoints="1" noAdjustHandles="1" noChangeArrowheads="1" noChangeShapeType="1" noTextEdit="1"/>
+          </p:cNvSpPr>
+          <p:nvPr>
+            <p:extLst>
+              <p:ext uri="{386F3935-93C4-4BCD-93E2-E3B085C9AB24}">
+                <p16:designElem xmlns:p16="http://schemas.microsoft.com/office/powerpoint/2015/main" val="1"/>
+              </p:ext>
+            </p:extLst>
+          </p:nvPr>
+        </p:nvSpPr>
+        <p:spPr>
+          <a:xfrm rot="16200000">
+            <a:off x="-158495" y="2660473"/>
+            <a:ext cx="4355594" cy="4038603"/>
+          </a:xfrm>
+          <a:prstGeom prst="rect">
+            <a:avLst/>
+          </a:prstGeom>
+          <a:gradFill>
+            <a:gsLst>
+              <a:gs pos="0">
+                <a:schemeClr val="accent1">
+                  <a:alpha val="50000"/>
+                </a:schemeClr>
+              </a:gs>
+              <a:gs pos="100000">
+                <a:schemeClr val="accent1">
+                  <a:lumMod val="50000"/>
+                  <a:alpha val="0"/>
+                </a:schemeClr>
+              </a:gs>
+            </a:gsLst>
+            <a:lin ang="11400000" scaled="0"/>
+          </a:gradFill>
+          <a:ln>
+            <a:noFill/>
+          </a:ln>
+        </p:spPr>
+        <p:style>
+          <a:lnRef idx="2">
+            <a:schemeClr val="accent1">
+              <a:shade val="50000"/>
+            </a:schemeClr>
+          </a:lnRef>
+          <a:fillRef idx="1">
+            <a:schemeClr val="accent1"/>
+          </a:fillRef>
+          <a:effectRef idx="0">
+            <a:schemeClr val="accent1"/>
+          </a:effectRef>
+          <a:fontRef idx="minor">
+            <a:schemeClr val="lt1"/>
+          </a:fontRef>
+        </p:style>
+        <p:txBody>
+          <a:bodyPr rtlCol="0" anchor="ctr"/>
+          <a:lstStyle/>
+          <a:p>
+            <a:pPr algn="ctr"/>
             <a:endParaRPr lang="en-US"/>
+          </a:p>
+        </p:txBody>
+      </p:sp>
+      <p:sp>
+        <p:nvSpPr>
+          <p:cNvPr id="21" name="Rectangle 20">
+            <a:extLst>
+              <a:ext uri="{FF2B5EF4-FFF2-40B4-BE49-F238E27FC236}">
+                <a16:creationId xmlns:a16="http://schemas.microsoft.com/office/drawing/2014/main" id="{85149191-5F60-4A28-AAFF-039F96B0F3EC}"/>
+              </a:ext>
+              <a:ext uri="{C183D7F6-B498-43B3-948B-1728B52AA6E4}">
+                <adec:decorative xmlns:adec="http://schemas.microsoft.com/office/drawing/2017/decorative" val="1"/>
+              </a:ext>
+            </a:extLst>
+          </p:cNvPr>
+          <p:cNvSpPr>
+            <a:spLocks noGrp="1" noRot="1" noChangeAspect="1" noMove="1" noResize="1" noEditPoints="1" noAdjustHandles="1" noChangeArrowheads="1" noChangeShapeType="1" noTextEdit="1"/>
+          </p:cNvSpPr>
+          <p:nvPr>
+            <p:extLst>
+              <p:ext uri="{386F3935-93C4-4BCD-93E2-E3B085C9AB24}">
+                <p16:designElem xmlns:p16="http://schemas.microsoft.com/office/powerpoint/2015/main" val="1"/>
+              </p:ext>
+            </p:extLst>
+          </p:nvPr>
+        </p:nvSpPr>
+        <p:spPr>
+          <a:xfrm rot="16200000" flipH="1">
+            <a:off x="-1180882" y="1638085"/>
+            <a:ext cx="6857572" cy="3581401"/>
+          </a:xfrm>
+          <a:prstGeom prst="rect">
+            <a:avLst/>
+          </a:prstGeom>
+          <a:gradFill>
+            <a:gsLst>
+              <a:gs pos="0">
+                <a:srgbClr val="000000">
+                  <a:alpha val="59000"/>
+                </a:srgbClr>
+              </a:gs>
+              <a:gs pos="69000">
+                <a:schemeClr val="accent1">
+                  <a:alpha val="0"/>
+                </a:schemeClr>
+              </a:gs>
+            </a:gsLst>
+            <a:lin ang="13200000" scaled="0"/>
+          </a:gradFill>
+          <a:ln>
+            <a:noFill/>
+          </a:ln>
+        </p:spPr>
+        <p:style>
+          <a:lnRef idx="2">
+            <a:schemeClr val="accent1">
+              <a:shade val="50000"/>
+            </a:schemeClr>
+          </a:lnRef>
+          <a:fillRef idx="1">
+            <a:schemeClr val="accent1"/>
+          </a:fillRef>
+          <a:effectRef idx="0">
+            <a:schemeClr val="accent1"/>
+          </a:effectRef>
+          <a:fontRef idx="minor">
+            <a:schemeClr val="lt1"/>
+          </a:fontRef>
+        </p:style>
+        <p:txBody>
+          <a:bodyPr rtlCol="0" anchor="ctr"/>
+          <a:lstStyle/>
+          <a:p>
+            <a:pPr algn="ctr"/>
+            <a:endParaRPr lang="en-US" dirty="0"/>
+          </a:p>
+        </p:txBody>
+      </p:sp>
+      <p:sp>
+        <p:nvSpPr>
+          <p:cNvPr id="23" name="Freeform: Shape 22">
+            <a:extLst>
+              <a:ext uri="{FF2B5EF4-FFF2-40B4-BE49-F238E27FC236}">
+                <a16:creationId xmlns:a16="http://schemas.microsoft.com/office/drawing/2014/main" id="{F8260ED5-17F7-4158-B241-D51DD4CF1B7E}"/>
+              </a:ext>
+              <a:ext uri="{C183D7F6-B498-43B3-948B-1728B52AA6E4}">
+                <adec:decorative xmlns:adec="http://schemas.microsoft.com/office/drawing/2017/decorative" val="1"/>
+              </a:ext>
+            </a:extLst>
+          </p:cNvPr>
+          <p:cNvSpPr>
+            <a:spLocks noGrp="1" noRot="1" noChangeAspect="1" noMove="1" noResize="1" noEditPoints="1" noAdjustHandles="1" noChangeArrowheads="1" noChangeShapeType="1" noTextEdit="1"/>
+          </p:cNvSpPr>
+          <p:nvPr>
+            <p:extLst>
+              <p:ext uri="{386F3935-93C4-4BCD-93E2-E3B085C9AB24}">
+                <p16:designElem xmlns:p16="http://schemas.microsoft.com/office/powerpoint/2015/main" val="1"/>
+              </p:ext>
+            </p:extLst>
+          </p:nvPr>
+        </p:nvSpPr>
+        <p:spPr>
+          <a:xfrm rot="6097846">
+            <a:off x="-747355" y="1201312"/>
+            <a:ext cx="4808302" cy="4088666"/>
+          </a:xfrm>
+          <a:custGeom>
+            <a:avLst/>
+            <a:gdLst>
+              <a:gd name="connsiteX0" fmla="*/ 48844 w 4808302"/>
+              <a:gd name="connsiteY0" fmla="*/ 2888671 h 4088666"/>
+              <a:gd name="connsiteX1" fmla="*/ 0 w 4808302"/>
+              <a:gd name="connsiteY1" fmla="*/ 2404151 h 4088666"/>
+              <a:gd name="connsiteX2" fmla="*/ 2404151 w 4808302"/>
+              <a:gd name="connsiteY2" fmla="*/ 0 h 4088666"/>
+              <a:gd name="connsiteX3" fmla="*/ 4808302 w 4808302"/>
+              <a:gd name="connsiteY3" fmla="*/ 2404151 h 4088666"/>
+              <a:gd name="connsiteX4" fmla="*/ 4700216 w 4808302"/>
+              <a:gd name="connsiteY4" fmla="*/ 3119072 h 4088666"/>
+              <a:gd name="connsiteX5" fmla="*/ 4643143 w 4808302"/>
+              <a:gd name="connsiteY5" fmla="*/ 3275009 h 4088666"/>
+              <a:gd name="connsiteX6" fmla="*/ 690093 w 4808302"/>
+              <a:gd name="connsiteY6" fmla="*/ 4088666 h 4088666"/>
+              <a:gd name="connsiteX7" fmla="*/ 548991 w 4808302"/>
+              <a:gd name="connsiteY7" fmla="*/ 3933414 h 4088666"/>
+              <a:gd name="connsiteX8" fmla="*/ 48844 w 4808302"/>
+              <a:gd name="connsiteY8" fmla="*/ 2888671 h 4088666"/>
+            </a:gdLst>
+            <a:ahLst/>
+            <a:cxnLst>
+              <a:cxn ang="0">
+                <a:pos x="connsiteX0" y="connsiteY0"/>
+              </a:cxn>
+              <a:cxn ang="0">
+                <a:pos x="connsiteX1" y="connsiteY1"/>
+              </a:cxn>
+              <a:cxn ang="0">
+                <a:pos x="connsiteX2" y="connsiteY2"/>
+              </a:cxn>
+              <a:cxn ang="0">
+                <a:pos x="connsiteX3" y="connsiteY3"/>
+              </a:cxn>
+              <a:cxn ang="0">
+                <a:pos x="connsiteX4" y="connsiteY4"/>
+              </a:cxn>
+              <a:cxn ang="0">
+                <a:pos x="connsiteX5" y="connsiteY5"/>
+              </a:cxn>
+              <a:cxn ang="0">
+                <a:pos x="connsiteX6" y="connsiteY6"/>
+              </a:cxn>
+              <a:cxn ang="0">
+                <a:pos x="connsiteX7" y="connsiteY7"/>
+              </a:cxn>
+              <a:cxn ang="0">
+                <a:pos x="connsiteX8" y="connsiteY8"/>
+              </a:cxn>
+            </a:cxnLst>
+            <a:rect l="l" t="t" r="r" b="b"/>
+            <a:pathLst>
+              <a:path w="4808302" h="4088666">
+                <a:moveTo>
+                  <a:pt x="48844" y="2888671"/>
+                </a:moveTo>
+                <a:cubicBezTo>
+                  <a:pt x="16818" y="2732167"/>
+                  <a:pt x="0" y="2570123"/>
+                  <a:pt x="0" y="2404151"/>
+                </a:cubicBezTo>
+                <a:cubicBezTo>
+                  <a:pt x="0" y="1076375"/>
+                  <a:pt x="1076375" y="0"/>
+                  <a:pt x="2404151" y="0"/>
+                </a:cubicBezTo>
+                <a:cubicBezTo>
+                  <a:pt x="3731927" y="0"/>
+                  <a:pt x="4808302" y="1076375"/>
+                  <a:pt x="4808302" y="2404151"/>
+                </a:cubicBezTo>
+                <a:cubicBezTo>
+                  <a:pt x="4808302" y="2653109"/>
+                  <a:pt x="4770461" y="2893229"/>
+                  <a:pt x="4700216" y="3119072"/>
+                </a:cubicBezTo>
+                <a:lnTo>
+                  <a:pt x="4643143" y="3275009"/>
+                </a:lnTo>
+                <a:lnTo>
+                  <a:pt x="690093" y="4088666"/>
+                </a:lnTo>
+                <a:lnTo>
+                  <a:pt x="548991" y="3933414"/>
+                </a:lnTo>
+                <a:cubicBezTo>
+                  <a:pt x="304015" y="3636572"/>
+                  <a:pt x="128908" y="3279932"/>
+                  <a:pt x="48844" y="2888671"/>
+                </a:cubicBezTo>
+                <a:close/>
+              </a:path>
+            </a:pathLst>
+          </a:custGeom>
+          <a:gradFill>
+            <a:gsLst>
+              <a:gs pos="39000">
+                <a:schemeClr val="accent1">
+                  <a:lumMod val="60000"/>
+                  <a:lumOff val="40000"/>
+                  <a:alpha val="0"/>
+                </a:schemeClr>
+              </a:gs>
+              <a:gs pos="100000">
+                <a:schemeClr val="accent1">
+                  <a:lumMod val="75000"/>
+                  <a:alpha val="26000"/>
+                </a:schemeClr>
+              </a:gs>
+            </a:gsLst>
+            <a:lin ang="18600000" scaled="0"/>
+          </a:gradFill>
+          <a:ln>
+            <a:noFill/>
+          </a:ln>
+        </p:spPr>
+        <p:style>
+          <a:lnRef idx="2">
+            <a:schemeClr val="accent1">
+              <a:shade val="50000"/>
+            </a:schemeClr>
+          </a:lnRef>
+          <a:fillRef idx="1">
+            <a:schemeClr val="accent1"/>
+          </a:fillRef>
+          <a:effectRef idx="0">
+            <a:schemeClr val="accent1"/>
+          </a:effectRef>
+          <a:fontRef idx="minor">
+            <a:schemeClr val="lt1"/>
+          </a:fontRef>
+        </p:style>
+        <p:txBody>
+          <a:bodyPr wrap="square" rtlCol="0" anchor="ctr">
+            <a:noAutofit/>
+          </a:bodyPr>
+          <a:lstStyle/>
+          <a:p>
+            <a:pPr algn="ctr"/>
+            <a:endParaRPr lang="en-US" dirty="0"/>
           </a:p>
         </p:txBody>
       </p:sp>
@@ -3586,18 +4686,18 @@
         </p:nvSpPr>
         <p:spPr>
           <a:xfrm>
-            <a:off x="838200" y="171162"/>
-            <a:ext cx="2840182" cy="2371148"/>
+            <a:off x="660041" y="2767106"/>
+            <a:ext cx="2880828" cy="3071906"/>
           </a:xfrm>
         </p:spPr>
         <p:txBody>
-          <a:bodyPr vert="horz" lIns="91440" tIns="45720" rIns="91440" bIns="45720" rtlCol="0" anchor="ctr">
+          <a:bodyPr vert="horz" lIns="91440" tIns="45720" rIns="91440" bIns="45720" rtlCol="0" anchor="t">
             <a:normAutofit/>
           </a:bodyPr>
           <a:lstStyle/>
           <a:p>
             <a:r>
-              <a:rPr lang="en-US" sz="3200" kern="1200">
+              <a:rPr lang="en-US" sz="4000" kern="1200">
                 <a:solidFill>
                   <a:srgbClr val="FFFFFF"/>
                 </a:solidFill>
@@ -3612,10 +4712,10 @@
       </p:sp>
       <p:pic>
         <p:nvPicPr>
-          <p:cNvPr id="5" name="Picture 4">
-            <a:extLst>
-              <a:ext uri="{FF2B5EF4-FFF2-40B4-BE49-F238E27FC236}">
-                <a16:creationId xmlns:a16="http://schemas.microsoft.com/office/drawing/2014/main" id="{8ECB99A3-0E62-411E-AC13-A442828FB329}"/>
+          <p:cNvPr id="4" name="Picture 3">
+            <a:extLst>
+              <a:ext uri="{FF2B5EF4-FFF2-40B4-BE49-F238E27FC236}">
+                <a16:creationId xmlns:a16="http://schemas.microsoft.com/office/drawing/2014/main" id="{44758BA0-BBFA-40F1-BAFC-F193595458CB}"/>
               </a:ext>
             </a:extLst>
           </p:cNvPr>
@@ -3632,8 +4732,8 @@
         </p:blipFill>
         <p:spPr>
           <a:xfrm>
-            <a:off x="5035367" y="640080"/>
-            <a:ext cx="5692669" cy="5578816"/>
+            <a:off x="4502428" y="475475"/>
+            <a:ext cx="7225748" cy="5907049"/>
           </a:xfrm>
           <a:prstGeom prst="rect">
             <a:avLst/>
@@ -3678,12 +4778,12 @@
           <a:chExt cx="0" cy="0"/>
         </a:xfrm>
       </p:grpSpPr>
-      <p:sp>
-        <p:nvSpPr>
-          <p:cNvPr id="10" name="Flowchart: Document 9">
-            <a:extLst>
-              <a:ext uri="{FF2B5EF4-FFF2-40B4-BE49-F238E27FC236}">
-                <a16:creationId xmlns:a16="http://schemas.microsoft.com/office/drawing/2014/main" id="{D12DDE76-C203-4047-9998-63900085B5E8}"/>
+      <p:sp useBgFill="1">
+        <p:nvSpPr>
+          <p:cNvPr id="15" name="Rectangle 14">
+            <a:extLst>
+              <a:ext uri="{FF2B5EF4-FFF2-40B4-BE49-F238E27FC236}">
+                <a16:creationId xmlns:a16="http://schemas.microsoft.com/office/drawing/2014/main" id="{A8384FB5-9ADC-4DDC-881B-597D56F5B15D}"/>
               </a:ext>
               <a:ext uri="{C183D7F6-B498-43B3-948B-1728B52AA6E4}">
                 <adec:decorative xmlns:adec="http://schemas.microsoft.com/office/drawing/2017/decorative" val="1"/>
@@ -3703,15 +4803,101 @@
         </p:nvSpPr>
         <p:spPr>
           <a:xfrm>
-            <a:off x="638175" y="0"/>
-            <a:ext cx="3248025" cy="3400426"/>
+            <a:off x="0" y="0"/>
+            <a:ext cx="12192000" cy="6858000"/>
           </a:xfrm>
-          <a:prstGeom prst="flowChartDocument">
+          <a:prstGeom prst="rect">
             <a:avLst/>
           </a:prstGeom>
-          <a:solidFill>
+          <a:ln w="12700" cap="flat" cmpd="sng" algn="ctr">
+            <a:noFill/>
+            <a:prstDash val="solid"/>
+            <a:miter lim="800000"/>
+          </a:ln>
+          <a:effectLst/>
+          <a:extLst>
+            <a:ext uri="{91240B29-F687-4F45-9708-019B960494DF}">
+              <a14:hiddenLine xmlns:a14="http://schemas.microsoft.com/office/drawing/2010/main" w="12700" cap="flat" cmpd="sng" algn="ctr">
+                <a:solidFill>
+                  <a:schemeClr val="accent1">
+                    <a:shade val="50000"/>
+                  </a:schemeClr>
+                </a:solidFill>
+                <a:prstDash val="solid"/>
+                <a:miter lim="800000"/>
+              </a14:hiddenLine>
+            </a:ext>
+          </a:extLst>
+        </p:spPr>
+        <p:style>
+          <a:lnRef idx="2">
+            <a:schemeClr val="accent1">
+              <a:shade val="50000"/>
+            </a:schemeClr>
+          </a:lnRef>
+          <a:fillRef idx="1">
             <a:schemeClr val="accent1"/>
-          </a:solidFill>
+          </a:fillRef>
+          <a:effectRef idx="0">
+            <a:schemeClr val="accent1"/>
+          </a:effectRef>
+          <a:fontRef idx="minor">
+            <a:schemeClr val="lt1"/>
+          </a:fontRef>
+        </p:style>
+        <p:txBody>
+          <a:bodyPr rtlCol="0" anchor="ctr"/>
+          <a:lstStyle/>
+          <a:p>
+            <a:pPr algn="ctr"/>
+            <a:endParaRPr lang="en-US"/>
+          </a:p>
+        </p:txBody>
+      </p:sp>
+      <p:sp>
+        <p:nvSpPr>
+          <p:cNvPr id="17" name="Rectangle 16">
+            <a:extLst>
+              <a:ext uri="{FF2B5EF4-FFF2-40B4-BE49-F238E27FC236}">
+                <a16:creationId xmlns:a16="http://schemas.microsoft.com/office/drawing/2014/main" id="{91E5A9A7-95C6-4F4F-B00E-C82E07FE62EF}"/>
+              </a:ext>
+              <a:ext uri="{C183D7F6-B498-43B3-948B-1728B52AA6E4}">
+                <adec:decorative xmlns:adec="http://schemas.microsoft.com/office/drawing/2017/decorative" val="1"/>
+              </a:ext>
+            </a:extLst>
+          </p:cNvPr>
+          <p:cNvSpPr>
+            <a:spLocks noGrp="1" noRot="1" noChangeAspect="1" noMove="1" noResize="1" noEditPoints="1" noAdjustHandles="1" noChangeArrowheads="1" noChangeShapeType="1" noTextEdit="1"/>
+          </p:cNvSpPr>
+          <p:nvPr>
+            <p:extLst>
+              <p:ext uri="{386F3935-93C4-4BCD-93E2-E3B085C9AB24}">
+                <p16:designElem xmlns:p16="http://schemas.microsoft.com/office/powerpoint/2015/main" val="1"/>
+              </p:ext>
+            </p:extLst>
+          </p:nvPr>
+        </p:nvSpPr>
+        <p:spPr>
+          <a:xfrm rot="5400000" flipH="1">
+            <a:off x="-1417539" y="1417538"/>
+            <a:ext cx="6875818" cy="4040744"/>
+          </a:xfrm>
+          <a:prstGeom prst="rect">
+            <a:avLst/>
+          </a:prstGeom>
+          <a:gradFill>
+            <a:gsLst>
+              <a:gs pos="0">
+                <a:srgbClr val="000000"/>
+              </a:gs>
+              <a:gs pos="100000">
+                <a:schemeClr val="accent1">
+                  <a:lumMod val="75000"/>
+                </a:schemeClr>
+              </a:gs>
+            </a:gsLst>
+            <a:lin ang="18600000" scaled="0"/>
+          </a:gradFill>
           <a:ln>
             <a:noFill/>
           </a:ln>
@@ -3737,7 +4923,331 @@
           <a:lstStyle/>
           <a:p>
             <a:pPr algn="ctr"/>
+            <a:endParaRPr lang="en-US" dirty="0"/>
+          </a:p>
+        </p:txBody>
+      </p:sp>
+      <p:sp>
+        <p:nvSpPr>
+          <p:cNvPr id="19" name="Rectangle 18">
+            <a:extLst>
+              <a:ext uri="{FF2B5EF4-FFF2-40B4-BE49-F238E27FC236}">
+                <a16:creationId xmlns:a16="http://schemas.microsoft.com/office/drawing/2014/main" id="{D07DD2DE-F619-49DD-B5E7-03A290FF4ED1}"/>
+              </a:ext>
+              <a:ext uri="{C183D7F6-B498-43B3-948B-1728B52AA6E4}">
+                <adec:decorative xmlns:adec="http://schemas.microsoft.com/office/drawing/2017/decorative" val="1"/>
+              </a:ext>
+            </a:extLst>
+          </p:cNvPr>
+          <p:cNvSpPr>
+            <a:spLocks noGrp="1" noRot="1" noChangeAspect="1" noMove="1" noResize="1" noEditPoints="1" noAdjustHandles="1" noChangeArrowheads="1" noChangeShapeType="1" noTextEdit="1"/>
+          </p:cNvSpPr>
+          <p:nvPr>
+            <p:extLst>
+              <p:ext uri="{386F3935-93C4-4BCD-93E2-E3B085C9AB24}">
+                <p16:designElem xmlns:p16="http://schemas.microsoft.com/office/powerpoint/2015/main" val="1"/>
+              </p:ext>
+            </p:extLst>
+          </p:nvPr>
+        </p:nvSpPr>
+        <p:spPr>
+          <a:xfrm rot="16200000">
+            <a:off x="-158495" y="2660473"/>
+            <a:ext cx="4355594" cy="4038603"/>
+          </a:xfrm>
+          <a:prstGeom prst="rect">
+            <a:avLst/>
+          </a:prstGeom>
+          <a:gradFill>
+            <a:gsLst>
+              <a:gs pos="0">
+                <a:schemeClr val="accent1">
+                  <a:alpha val="50000"/>
+                </a:schemeClr>
+              </a:gs>
+              <a:gs pos="100000">
+                <a:schemeClr val="accent1">
+                  <a:lumMod val="50000"/>
+                  <a:alpha val="0"/>
+                </a:schemeClr>
+              </a:gs>
+            </a:gsLst>
+            <a:lin ang="11400000" scaled="0"/>
+          </a:gradFill>
+          <a:ln>
+            <a:noFill/>
+          </a:ln>
+        </p:spPr>
+        <p:style>
+          <a:lnRef idx="2">
+            <a:schemeClr val="accent1">
+              <a:shade val="50000"/>
+            </a:schemeClr>
+          </a:lnRef>
+          <a:fillRef idx="1">
+            <a:schemeClr val="accent1"/>
+          </a:fillRef>
+          <a:effectRef idx="0">
+            <a:schemeClr val="accent1"/>
+          </a:effectRef>
+          <a:fontRef idx="minor">
+            <a:schemeClr val="lt1"/>
+          </a:fontRef>
+        </p:style>
+        <p:txBody>
+          <a:bodyPr rtlCol="0" anchor="ctr"/>
+          <a:lstStyle/>
+          <a:p>
+            <a:pPr algn="ctr"/>
             <a:endParaRPr lang="en-US"/>
+          </a:p>
+        </p:txBody>
+      </p:sp>
+      <p:sp>
+        <p:nvSpPr>
+          <p:cNvPr id="21" name="Rectangle 20">
+            <a:extLst>
+              <a:ext uri="{FF2B5EF4-FFF2-40B4-BE49-F238E27FC236}">
+                <a16:creationId xmlns:a16="http://schemas.microsoft.com/office/drawing/2014/main" id="{85149191-5F60-4A28-AAFF-039F96B0F3EC}"/>
+              </a:ext>
+              <a:ext uri="{C183D7F6-B498-43B3-948B-1728B52AA6E4}">
+                <adec:decorative xmlns:adec="http://schemas.microsoft.com/office/drawing/2017/decorative" val="1"/>
+              </a:ext>
+            </a:extLst>
+          </p:cNvPr>
+          <p:cNvSpPr>
+            <a:spLocks noGrp="1" noRot="1" noChangeAspect="1" noMove="1" noResize="1" noEditPoints="1" noAdjustHandles="1" noChangeArrowheads="1" noChangeShapeType="1" noTextEdit="1"/>
+          </p:cNvSpPr>
+          <p:nvPr>
+            <p:extLst>
+              <p:ext uri="{386F3935-93C4-4BCD-93E2-E3B085C9AB24}">
+                <p16:designElem xmlns:p16="http://schemas.microsoft.com/office/powerpoint/2015/main" val="1"/>
+              </p:ext>
+            </p:extLst>
+          </p:nvPr>
+        </p:nvSpPr>
+        <p:spPr>
+          <a:xfrm rot="16200000" flipH="1">
+            <a:off x="-1180882" y="1638085"/>
+            <a:ext cx="6857572" cy="3581401"/>
+          </a:xfrm>
+          <a:prstGeom prst="rect">
+            <a:avLst/>
+          </a:prstGeom>
+          <a:gradFill>
+            <a:gsLst>
+              <a:gs pos="0">
+                <a:srgbClr val="000000">
+                  <a:alpha val="59000"/>
+                </a:srgbClr>
+              </a:gs>
+              <a:gs pos="69000">
+                <a:schemeClr val="accent1">
+                  <a:alpha val="0"/>
+                </a:schemeClr>
+              </a:gs>
+            </a:gsLst>
+            <a:lin ang="13200000" scaled="0"/>
+          </a:gradFill>
+          <a:ln>
+            <a:noFill/>
+          </a:ln>
+        </p:spPr>
+        <p:style>
+          <a:lnRef idx="2">
+            <a:schemeClr val="accent1">
+              <a:shade val="50000"/>
+            </a:schemeClr>
+          </a:lnRef>
+          <a:fillRef idx="1">
+            <a:schemeClr val="accent1"/>
+          </a:fillRef>
+          <a:effectRef idx="0">
+            <a:schemeClr val="accent1"/>
+          </a:effectRef>
+          <a:fontRef idx="minor">
+            <a:schemeClr val="lt1"/>
+          </a:fontRef>
+        </p:style>
+        <p:txBody>
+          <a:bodyPr rtlCol="0" anchor="ctr"/>
+          <a:lstStyle/>
+          <a:p>
+            <a:pPr algn="ctr"/>
+            <a:endParaRPr lang="en-US" dirty="0"/>
+          </a:p>
+        </p:txBody>
+      </p:sp>
+      <p:sp>
+        <p:nvSpPr>
+          <p:cNvPr id="23" name="Freeform: Shape 22">
+            <a:extLst>
+              <a:ext uri="{FF2B5EF4-FFF2-40B4-BE49-F238E27FC236}">
+                <a16:creationId xmlns:a16="http://schemas.microsoft.com/office/drawing/2014/main" id="{F8260ED5-17F7-4158-B241-D51DD4CF1B7E}"/>
+              </a:ext>
+              <a:ext uri="{C183D7F6-B498-43B3-948B-1728B52AA6E4}">
+                <adec:decorative xmlns:adec="http://schemas.microsoft.com/office/drawing/2017/decorative" val="1"/>
+              </a:ext>
+            </a:extLst>
+          </p:cNvPr>
+          <p:cNvSpPr>
+            <a:spLocks noGrp="1" noRot="1" noChangeAspect="1" noMove="1" noResize="1" noEditPoints="1" noAdjustHandles="1" noChangeArrowheads="1" noChangeShapeType="1" noTextEdit="1"/>
+          </p:cNvSpPr>
+          <p:nvPr>
+            <p:extLst>
+              <p:ext uri="{386F3935-93C4-4BCD-93E2-E3B085C9AB24}">
+                <p16:designElem xmlns:p16="http://schemas.microsoft.com/office/powerpoint/2015/main" val="1"/>
+              </p:ext>
+            </p:extLst>
+          </p:nvPr>
+        </p:nvSpPr>
+        <p:spPr>
+          <a:xfrm rot="6097846">
+            <a:off x="-747355" y="1201312"/>
+            <a:ext cx="4808302" cy="4088666"/>
+          </a:xfrm>
+          <a:custGeom>
+            <a:avLst/>
+            <a:gdLst>
+              <a:gd name="connsiteX0" fmla="*/ 48844 w 4808302"/>
+              <a:gd name="connsiteY0" fmla="*/ 2888671 h 4088666"/>
+              <a:gd name="connsiteX1" fmla="*/ 0 w 4808302"/>
+              <a:gd name="connsiteY1" fmla="*/ 2404151 h 4088666"/>
+              <a:gd name="connsiteX2" fmla="*/ 2404151 w 4808302"/>
+              <a:gd name="connsiteY2" fmla="*/ 0 h 4088666"/>
+              <a:gd name="connsiteX3" fmla="*/ 4808302 w 4808302"/>
+              <a:gd name="connsiteY3" fmla="*/ 2404151 h 4088666"/>
+              <a:gd name="connsiteX4" fmla="*/ 4700216 w 4808302"/>
+              <a:gd name="connsiteY4" fmla="*/ 3119072 h 4088666"/>
+              <a:gd name="connsiteX5" fmla="*/ 4643143 w 4808302"/>
+              <a:gd name="connsiteY5" fmla="*/ 3275009 h 4088666"/>
+              <a:gd name="connsiteX6" fmla="*/ 690093 w 4808302"/>
+              <a:gd name="connsiteY6" fmla="*/ 4088666 h 4088666"/>
+              <a:gd name="connsiteX7" fmla="*/ 548991 w 4808302"/>
+              <a:gd name="connsiteY7" fmla="*/ 3933414 h 4088666"/>
+              <a:gd name="connsiteX8" fmla="*/ 48844 w 4808302"/>
+              <a:gd name="connsiteY8" fmla="*/ 2888671 h 4088666"/>
+            </a:gdLst>
+            <a:ahLst/>
+            <a:cxnLst>
+              <a:cxn ang="0">
+                <a:pos x="connsiteX0" y="connsiteY0"/>
+              </a:cxn>
+              <a:cxn ang="0">
+                <a:pos x="connsiteX1" y="connsiteY1"/>
+              </a:cxn>
+              <a:cxn ang="0">
+                <a:pos x="connsiteX2" y="connsiteY2"/>
+              </a:cxn>
+              <a:cxn ang="0">
+                <a:pos x="connsiteX3" y="connsiteY3"/>
+              </a:cxn>
+              <a:cxn ang="0">
+                <a:pos x="connsiteX4" y="connsiteY4"/>
+              </a:cxn>
+              <a:cxn ang="0">
+                <a:pos x="connsiteX5" y="connsiteY5"/>
+              </a:cxn>
+              <a:cxn ang="0">
+                <a:pos x="connsiteX6" y="connsiteY6"/>
+              </a:cxn>
+              <a:cxn ang="0">
+                <a:pos x="connsiteX7" y="connsiteY7"/>
+              </a:cxn>
+              <a:cxn ang="0">
+                <a:pos x="connsiteX8" y="connsiteY8"/>
+              </a:cxn>
+            </a:cxnLst>
+            <a:rect l="l" t="t" r="r" b="b"/>
+            <a:pathLst>
+              <a:path w="4808302" h="4088666">
+                <a:moveTo>
+                  <a:pt x="48844" y="2888671"/>
+                </a:moveTo>
+                <a:cubicBezTo>
+                  <a:pt x="16818" y="2732167"/>
+                  <a:pt x="0" y="2570123"/>
+                  <a:pt x="0" y="2404151"/>
+                </a:cubicBezTo>
+                <a:cubicBezTo>
+                  <a:pt x="0" y="1076375"/>
+                  <a:pt x="1076375" y="0"/>
+                  <a:pt x="2404151" y="0"/>
+                </a:cubicBezTo>
+                <a:cubicBezTo>
+                  <a:pt x="3731927" y="0"/>
+                  <a:pt x="4808302" y="1076375"/>
+                  <a:pt x="4808302" y="2404151"/>
+                </a:cubicBezTo>
+                <a:cubicBezTo>
+                  <a:pt x="4808302" y="2653109"/>
+                  <a:pt x="4770461" y="2893229"/>
+                  <a:pt x="4700216" y="3119072"/>
+                </a:cubicBezTo>
+                <a:lnTo>
+                  <a:pt x="4643143" y="3275009"/>
+                </a:lnTo>
+                <a:lnTo>
+                  <a:pt x="690093" y="4088666"/>
+                </a:lnTo>
+                <a:lnTo>
+                  <a:pt x="548991" y="3933414"/>
+                </a:lnTo>
+                <a:cubicBezTo>
+                  <a:pt x="304015" y="3636572"/>
+                  <a:pt x="128908" y="3279932"/>
+                  <a:pt x="48844" y="2888671"/>
+                </a:cubicBezTo>
+                <a:close/>
+              </a:path>
+            </a:pathLst>
+          </a:custGeom>
+          <a:gradFill>
+            <a:gsLst>
+              <a:gs pos="39000">
+                <a:schemeClr val="accent1">
+                  <a:lumMod val="60000"/>
+                  <a:lumOff val="40000"/>
+                  <a:alpha val="0"/>
+                </a:schemeClr>
+              </a:gs>
+              <a:gs pos="100000">
+                <a:schemeClr val="accent1">
+                  <a:lumMod val="75000"/>
+                  <a:alpha val="26000"/>
+                </a:schemeClr>
+              </a:gs>
+            </a:gsLst>
+            <a:lin ang="18600000" scaled="0"/>
+          </a:gradFill>
+          <a:ln>
+            <a:noFill/>
+          </a:ln>
+        </p:spPr>
+        <p:style>
+          <a:lnRef idx="2">
+            <a:schemeClr val="accent1">
+              <a:shade val="50000"/>
+            </a:schemeClr>
+          </a:lnRef>
+          <a:fillRef idx="1">
+            <a:schemeClr val="accent1"/>
+          </a:fillRef>
+          <a:effectRef idx="0">
+            <a:schemeClr val="accent1"/>
+          </a:effectRef>
+          <a:fontRef idx="minor">
+            <a:schemeClr val="lt1"/>
+          </a:fontRef>
+        </p:style>
+        <p:txBody>
+          <a:bodyPr wrap="square" rtlCol="0" anchor="ctr">
+            <a:noAutofit/>
+          </a:bodyPr>
+          <a:lstStyle/>
+          <a:p>
+            <a:pPr algn="ctr"/>
+            <a:endParaRPr lang="en-US" dirty="0"/>
           </a:p>
         </p:txBody>
       </p:sp>
@@ -3759,18 +5269,18 @@
         </p:nvSpPr>
         <p:spPr>
           <a:xfrm>
-            <a:off x="838200" y="171162"/>
-            <a:ext cx="2840182" cy="2371148"/>
+            <a:off x="660041" y="2767106"/>
+            <a:ext cx="2880828" cy="3071906"/>
           </a:xfrm>
         </p:spPr>
         <p:txBody>
-          <a:bodyPr vert="horz" lIns="91440" tIns="45720" rIns="91440" bIns="45720" rtlCol="0" anchor="ctr">
+          <a:bodyPr vert="horz" lIns="91440" tIns="45720" rIns="91440" bIns="45720" rtlCol="0" anchor="t">
             <a:normAutofit/>
           </a:bodyPr>
           <a:lstStyle/>
           <a:p>
             <a:r>
-              <a:rPr lang="en-US" sz="3200" kern="1200">
+              <a:rPr lang="en-US" sz="4000" kern="1200">
                 <a:solidFill>
                   <a:srgbClr val="FFFFFF"/>
                 </a:solidFill>
@@ -3785,10 +5295,10 @@
       </p:sp>
       <p:pic>
         <p:nvPicPr>
-          <p:cNvPr id="5" name="Picture 4">
-            <a:extLst>
-              <a:ext uri="{FF2B5EF4-FFF2-40B4-BE49-F238E27FC236}">
-                <a16:creationId xmlns:a16="http://schemas.microsoft.com/office/drawing/2014/main" id="{E274CC79-5D3C-4A2C-A51D-7FF0F22785E5}"/>
+          <p:cNvPr id="7" name="Picture 6">
+            <a:extLst>
+              <a:ext uri="{FF2B5EF4-FFF2-40B4-BE49-F238E27FC236}">
+                <a16:creationId xmlns:a16="http://schemas.microsoft.com/office/drawing/2014/main" id="{DBF45773-237B-48EE-A097-CB7D4FD53EEB}"/>
               </a:ext>
             </a:extLst>
           </p:cNvPr>
@@ -3805,8 +5315,8 @@
         </p:blipFill>
         <p:spPr>
           <a:xfrm>
-            <a:off x="4898377" y="640080"/>
-            <a:ext cx="5966648" cy="5578816"/>
+            <a:off x="4887191" y="467208"/>
+            <a:ext cx="6456222" cy="5923584"/>
           </a:xfrm>
           <a:prstGeom prst="rect">
             <a:avLst/>
